--- a/presentation.pptx
+++ b/presentation.pptx
@@ -5,7 +5,7 @@
     <p:sldMasterId id="2147483648" r:id="rId4"/>
   </p:sldMasterIdLst>
   <p:notesMasterIdLst>
-    <p:notesMasterId r:id="rId14"/>
+    <p:notesMasterId r:id="rId15"/>
   </p:notesMasterIdLst>
   <p:sldIdLst>
     <p:sldId id="259" r:id="rId5"/>
@@ -17,6 +17,7 @@
     <p:sldId id="265" r:id="rId11"/>
     <p:sldId id="267" r:id="rId12"/>
     <p:sldId id="266" r:id="rId13"/>
+    <p:sldId id="268" r:id="rId14"/>
   </p:sldIdLst>
   <p:sldSz cx="12192000" cy="6858000"/>
   <p:notesSz cx="6858000" cy="9144000"/>
@@ -121,6 +122,66 @@
     </p:ext>
   </p:extLst>
 </p:presentation>
+</file>
+
+<file path=ppt/changesInfos/changesInfo1.xml><?xml version="1.0" encoding="utf-8"?>
+<pc:chgInfo xmlns:a="http://schemas.openxmlformats.org/drawingml/2006/main" xmlns:r="http://schemas.openxmlformats.org/officeDocument/2006/relationships" xmlns:ac="http://schemas.microsoft.com/office/drawing/2013/main/command" xmlns:pc="http://schemas.microsoft.com/office/powerpoint/2013/main/command">
+  <pc:docChgLst>
+    <pc:chgData name="Christian Shadis" userId="8cfd53f298761ce8" providerId="LiveId" clId="{78C86ED8-F01F-4952-8DF8-642749B21A21}"/>
+    <pc:docChg chg="addSld modSld">
+      <pc:chgData name="Christian Shadis" userId="8cfd53f298761ce8" providerId="LiveId" clId="{78C86ED8-F01F-4952-8DF8-642749B21A21}" dt="2021-05-08T23:32:49.262" v="39" actId="1076"/>
+      <pc:docMkLst>
+        <pc:docMk/>
+      </pc:docMkLst>
+      <pc:sldChg chg="addSp modSp mod">
+        <pc:chgData name="Christian Shadis" userId="8cfd53f298761ce8" providerId="LiveId" clId="{78C86ED8-F01F-4952-8DF8-642749B21A21}" dt="2021-05-08T23:31:48.745" v="27" actId="20577"/>
+        <pc:sldMkLst>
+          <pc:docMk/>
+          <pc:sldMk cId="3040835765" sldId="266"/>
+        </pc:sldMkLst>
+        <pc:spChg chg="mod">
+          <ac:chgData name="Christian Shadis" userId="8cfd53f298761ce8" providerId="LiveId" clId="{78C86ED8-F01F-4952-8DF8-642749B21A21}" dt="2021-05-08T23:31:32.539" v="4" actId="1076"/>
+          <ac:spMkLst>
+            <pc:docMk/>
+            <pc:sldMk cId="3040835765" sldId="266"/>
+            <ac:spMk id="2" creationId="{3F31B31F-01B0-4F1B-9CA8-A026241F576C}"/>
+          </ac:spMkLst>
+        </pc:spChg>
+        <pc:spChg chg="mod">
+          <ac:chgData name="Christian Shadis" userId="8cfd53f298761ce8" providerId="LiveId" clId="{78C86ED8-F01F-4952-8DF8-642749B21A21}" dt="2021-05-08T23:31:48.745" v="27" actId="20577"/>
+          <ac:spMkLst>
+            <pc:docMk/>
+            <pc:sldMk cId="3040835765" sldId="266"/>
+            <ac:spMk id="3" creationId="{F802C9D6-4A34-4311-AC17-6F217045B46D}"/>
+          </ac:spMkLst>
+        </pc:spChg>
+        <pc:picChg chg="add mod">
+          <ac:chgData name="Christian Shadis" userId="8cfd53f298761ce8" providerId="LiveId" clId="{78C86ED8-F01F-4952-8DF8-642749B21A21}" dt="2021-05-08T23:31:27.835" v="3" actId="1076"/>
+          <ac:picMkLst>
+            <pc:docMk/>
+            <pc:sldMk cId="3040835765" sldId="266"/>
+            <ac:picMk id="5" creationId="{5BB72E82-ED52-48F9-AE25-9BEEB8D77B3A}"/>
+          </ac:picMkLst>
+        </pc:picChg>
+      </pc:sldChg>
+      <pc:sldChg chg="modSp new mod">
+        <pc:chgData name="Christian Shadis" userId="8cfd53f298761ce8" providerId="LiveId" clId="{78C86ED8-F01F-4952-8DF8-642749B21A21}" dt="2021-05-08T23:32:49.262" v="39" actId="1076"/>
+        <pc:sldMkLst>
+          <pc:docMk/>
+          <pc:sldMk cId="3061788687" sldId="268"/>
+        </pc:sldMkLst>
+        <pc:spChg chg="mod">
+          <ac:chgData name="Christian Shadis" userId="8cfd53f298761ce8" providerId="LiveId" clId="{78C86ED8-F01F-4952-8DF8-642749B21A21}" dt="2021-05-08T23:32:49.262" v="39" actId="1076"/>
+          <ac:spMkLst>
+            <pc:docMk/>
+            <pc:sldMk cId="3061788687" sldId="268"/>
+            <ac:spMk id="2" creationId="{EB50516B-BBF1-41BA-8DB6-C001736B2A2B}"/>
+          </ac:spMkLst>
+        </pc:spChg>
+      </pc:sldChg>
+    </pc:docChg>
+  </pc:docChgLst>
+</pc:chgInfo>
 </file>
 
 <file path=ppt/notesMasters/notesMaster1.xml><?xml version="1.0" encoding="utf-8"?>
@@ -5702,6 +5763,69 @@
 </p:sld>
 </file>
 
+<file path=ppt/slides/slide10.xml><?xml version="1.0" encoding="utf-8"?>
+<p:sld xmlns:a="http://schemas.openxmlformats.org/drawingml/2006/main" xmlns:r="http://schemas.openxmlformats.org/officeDocument/2006/relationships" xmlns:p="http://schemas.openxmlformats.org/presentationml/2006/main">
+  <p:cSld>
+    <p:spTree>
+      <p:nvGrpSpPr>
+        <p:cNvPr id="1" name=""/>
+        <p:cNvGrpSpPr/>
+        <p:nvPr/>
+      </p:nvGrpSpPr>
+      <p:grpSpPr>
+        <a:xfrm>
+          <a:off x="0" y="0"/>
+          <a:ext cx="0" cy="0"/>
+          <a:chOff x="0" y="0"/>
+          <a:chExt cx="0" cy="0"/>
+        </a:xfrm>
+      </p:grpSpPr>
+      <p:sp>
+        <p:nvSpPr>
+          <p:cNvPr id="2" name="Title 1">
+            <a:extLst>
+              <a:ext uri="{FF2B5EF4-FFF2-40B4-BE49-F238E27FC236}">
+                <a16:creationId xmlns:a16="http://schemas.microsoft.com/office/drawing/2014/main" id="{EB50516B-BBF1-41BA-8DB6-C001736B2A2B}"/>
+              </a:ext>
+            </a:extLst>
+          </p:cNvPr>
+          <p:cNvSpPr>
+            <a:spLocks noGrp="1"/>
+          </p:cNvSpPr>
+          <p:nvPr>
+            <p:ph type="title"/>
+          </p:nvPr>
+        </p:nvSpPr>
+        <p:spPr>
+          <a:xfrm>
+            <a:off x="-691229" y="2890385"/>
+            <a:ext cx="7958331" cy="1077229"/>
+          </a:xfrm>
+        </p:spPr>
+        <p:txBody>
+          <a:bodyPr/>
+          <a:lstStyle/>
+          <a:p>
+            <a:r>
+              <a:rPr lang="en-US" dirty="0"/>
+              <a:t>Thank you</a:t>
+            </a:r>
+          </a:p>
+        </p:txBody>
+      </p:sp>
+    </p:spTree>
+    <p:extLst>
+      <p:ext uri="{BB962C8B-B14F-4D97-AF65-F5344CB8AC3E}">
+        <p14:creationId xmlns:p14="http://schemas.microsoft.com/office/powerpoint/2010/main" val="3061788687"/>
+      </p:ext>
+    </p:extLst>
+  </p:cSld>
+  <p:clrMapOvr>
+    <a:masterClrMapping/>
+  </p:clrMapOvr>
+</p:sld>
+</file>
+
 <file path=ppt/slides/slide2.xml><?xml version="1.0" encoding="utf-8"?>
 <p:sld xmlns:a="http://schemas.openxmlformats.org/drawingml/2006/main" xmlns:r="http://schemas.openxmlformats.org/officeDocument/2006/relationships" xmlns:p="http://schemas.openxmlformats.org/presentationml/2006/main">
   <p:cSld>
@@ -6670,7 +6794,12 @@
             <p:ph type="title"/>
           </p:nvPr>
         </p:nvSpPr>
-        <p:spPr/>
+        <p:spPr>
+          <a:xfrm>
+            <a:off x="2611808" y="705445"/>
+            <a:ext cx="7958331" cy="1077229"/>
+          </a:xfrm>
+        </p:spPr>
         <p:txBody>
           <a:bodyPr/>
           <a:lstStyle/>
@@ -6718,7 +6847,7 @@
           <a:p>
             <a:r>
               <a:rPr lang="en-US" dirty="0"/>
-              <a:t>Indications:</a:t>
+              <a:t>Indications after a few iterations:</a:t>
             </a:r>
           </a:p>
           <a:p>
@@ -6751,6 +6880,36 @@
           </a:p>
         </p:txBody>
       </p:sp>
+      <p:pic>
+        <p:nvPicPr>
+          <p:cNvPr id="5" name="Picture 4">
+            <a:extLst>
+              <a:ext uri="{FF2B5EF4-FFF2-40B4-BE49-F238E27FC236}">
+                <a16:creationId xmlns:a16="http://schemas.microsoft.com/office/drawing/2014/main" id="{5BB72E82-ED52-48F9-AE25-9BEEB8D77B3A}"/>
+              </a:ext>
+            </a:extLst>
+          </p:cNvPr>
+          <p:cNvPicPr>
+            <a:picLocks noChangeAspect="1"/>
+          </p:cNvPicPr>
+          <p:nvPr/>
+        </p:nvPicPr>
+        <p:blipFill>
+          <a:blip r:embed="rId2"/>
+          <a:stretch>
+            <a:fillRect/>
+          </a:stretch>
+        </p:blipFill>
+        <p:spPr>
+          <a:xfrm>
+            <a:off x="8422175" y="1352938"/>
+            <a:ext cx="2689139" cy="5505062"/>
+          </a:xfrm>
+          <a:prstGeom prst="rect">
+            <a:avLst/>
+          </a:prstGeom>
+        </p:spPr>
+      </p:pic>
     </p:spTree>
     <p:extLst>
       <p:ext uri="{BB962C8B-B14F-4D97-AF65-F5344CB8AC3E}">
@@ -7281,12 +7440,11 @@
 </file>
 
 <file path=customXml/item1.xml><?xml version="1.0" encoding="utf-8"?>
-<?mso-contentType ?>
-<FormTemplates xmlns="http://schemas.microsoft.com/sharepoint/v3/contenttype/forms">
-  <Display>DocumentLibraryForm</Display>
-  <Edit>DocumentLibraryForm</Edit>
-  <New>DocumentLibraryForm</New>
-</FormTemplates>
+<p:properties xmlns:p="http://schemas.microsoft.com/office/2006/metadata/properties" xmlns:xsi="http://www.w3.org/2001/XMLSchema-instance" xmlns:pc="http://schemas.microsoft.com/office/infopath/2007/PartnerControls">
+  <documentManagement>
+    <MediaServiceKeyPoints xmlns="71af3243-3dd4-4a8d-8c0d-dd76da1f02a5" xsi:nil="true"/>
+  </documentManagement>
+</p:properties>
 </file>
 
 <file path=customXml/item2.xml><?xml version="1.0" encoding="utf-8"?>
@@ -7501,17 +7659,20 @@
 </file>
 
 <file path=customXml/item3.xml><?xml version="1.0" encoding="utf-8"?>
-<p:properties xmlns:p="http://schemas.microsoft.com/office/2006/metadata/properties" xmlns:xsi="http://www.w3.org/2001/XMLSchema-instance" xmlns:pc="http://schemas.microsoft.com/office/infopath/2007/PartnerControls">
-  <documentManagement>
-    <MediaServiceKeyPoints xmlns="71af3243-3dd4-4a8d-8c0d-dd76da1f02a5" xsi:nil="true"/>
-  </documentManagement>
-</p:properties>
+<?mso-contentType ?>
+<FormTemplates xmlns="http://schemas.microsoft.com/sharepoint/v3/contenttype/forms">
+  <Display>DocumentLibraryForm</Display>
+  <Edit>DocumentLibraryForm</Edit>
+  <New>DocumentLibraryForm</New>
+</FormTemplates>
 </file>
 
 <file path=customXml/itemProps1.xml><?xml version="1.0" encoding="utf-8"?>
-<ds:datastoreItem xmlns:ds="http://schemas.openxmlformats.org/officeDocument/2006/customXml" ds:itemID="{209D4EA3-187B-4130-8E4D-A4F81F967848}">
+<ds:datastoreItem xmlns:ds="http://schemas.openxmlformats.org/officeDocument/2006/customXml" ds:itemID="{6E38766F-4A4C-4A97-A586-D473DB738966}">
   <ds:schemaRefs>
-    <ds:schemaRef ds:uri="http://schemas.microsoft.com/sharepoint/v3/contenttype/forms"/>
+    <ds:schemaRef ds:uri="http://schemas.microsoft.com/office/2006/metadata/properties"/>
+    <ds:schemaRef ds:uri="http://schemas.microsoft.com/office/infopath/2007/PartnerControls"/>
+    <ds:schemaRef ds:uri="71af3243-3dd4-4a8d-8c0d-dd76da1f02a5"/>
   </ds:schemaRefs>
 </ds:datastoreItem>
 </file>
@@ -7536,11 +7697,9 @@
 </file>
 
 <file path=customXml/itemProps3.xml><?xml version="1.0" encoding="utf-8"?>
-<ds:datastoreItem xmlns:ds="http://schemas.openxmlformats.org/officeDocument/2006/customXml" ds:itemID="{6E38766F-4A4C-4A97-A586-D473DB738966}">
+<ds:datastoreItem xmlns:ds="http://schemas.openxmlformats.org/officeDocument/2006/customXml" ds:itemID="{209D4EA3-187B-4130-8E4D-A4F81F967848}">
   <ds:schemaRefs>
-    <ds:schemaRef ds:uri="http://schemas.microsoft.com/office/2006/metadata/properties"/>
-    <ds:schemaRef ds:uri="http://schemas.microsoft.com/office/infopath/2007/PartnerControls"/>
-    <ds:schemaRef ds:uri="71af3243-3dd4-4a8d-8c0d-dd76da1f02a5"/>
+    <ds:schemaRef ds:uri="http://schemas.microsoft.com/sharepoint/v3/contenttype/forms"/>
   </ds:schemaRefs>
 </ds:datastoreItem>
 </file>